--- a/Cyclistic bike share Report.pptx
+++ b/Cyclistic bike share Report.pptx
@@ -1,123 +1,39 @@
 
 <file path=ppt/presentation.xml><?xml version="1.0" encoding="utf-8"?>
-<p:presentation xmlns:a="http://schemas.openxmlformats.org/drawingml/2006/main" xmlns:r="http://schemas.openxmlformats.org/officeDocument/2006/relationships" xmlns:p="http://schemas.openxmlformats.org/presentationml/2006/main" saveSubsetFonts="1" embedTrueTypeFonts="true">
+<p:presentation xmlns:a="http://schemas.openxmlformats.org/drawingml/2006/main" xmlns:r="http://schemas.openxmlformats.org/officeDocument/2006/relationships" xmlns:p="http://schemas.openxmlformats.org/presentationml/2006/main" embedTrueTypeFonts="1" saveSubsetFonts="1">
   <p:sldMasterIdLst>
     <p:sldMasterId id="2147483648" r:id="rId1"/>
   </p:sldMasterIdLst>
   <p:sldIdLst>
-    <p:sldId id="256" r:id="rId32"/>
-    <p:sldId id="257" r:id="rId33"/>
-    <p:sldId id="258" r:id="rId34"/>
-    <p:sldId id="259" r:id="rId35"/>
-    <p:sldId id="260" r:id="rId36"/>
-    <p:sldId id="261" r:id="rId37"/>
+    <p:sldId id="256" r:id="rId2"/>
+    <p:sldId id="257" r:id="rId3"/>
+    <p:sldId id="258" r:id="rId4"/>
+    <p:sldId id="259" r:id="rId5"/>
+    <p:sldId id="260" r:id="rId6"/>
+    <p:sldId id="261" r:id="rId7"/>
   </p:sldIdLst>
   <p:sldSz cx="18288000" cy="10287000"/>
   <p:notesSz cx="6858000" cy="9144000"/>
   <p:embeddedFontLst>
     <p:embeddedFont>
-      <p:font typeface="Montserrat Classic" charset="1" panose="00000500000000000000"/>
-      <p:regular r:id="rId6"/>
-    </p:embeddedFont>
-    <p:embeddedFont>
-      <p:font typeface="Montserrat Classic Bold" charset="1" panose="00000800000000000000"/>
-      <p:regular r:id="rId7"/>
-    </p:embeddedFont>
-    <p:embeddedFont>
-      <p:font typeface="Oswald" charset="1" panose="00000500000000000000"/>
+      <p:font typeface="Canva Sans" panose="020B0604020202020204" charset="0"/>
       <p:regular r:id="rId8"/>
     </p:embeddedFont>
     <p:embeddedFont>
-      <p:font typeface="Oswald Bold" charset="1" panose="00000800000000000000"/>
+      <p:font typeface="Canva Sans Bold" panose="020B0604020202020204" charset="0"/>
       <p:regular r:id="rId9"/>
     </p:embeddedFont>
     <p:embeddedFont>
-      <p:font typeface="Arimo" charset="1" panose="020B0604020202020204"/>
+      <p:font typeface="Montserrat Classic Bold" panose="020B0604020202020204" charset="0"/>
       <p:regular r:id="rId10"/>
     </p:embeddedFont>
     <p:embeddedFont>
-      <p:font typeface="Arimo Bold" charset="1" panose="020B0704020202020204"/>
+      <p:font typeface="Open Sauce Bold" panose="020B0604020202020204" charset="0"/>
       <p:regular r:id="rId11"/>
     </p:embeddedFont>
     <p:embeddedFont>
-      <p:font typeface="Arimo Italics" charset="1" panose="020B0604020202090204"/>
+      <p:font typeface="Oswald Bold" panose="020B0604020202020204" charset="0"/>
       <p:regular r:id="rId12"/>
-    </p:embeddedFont>
-    <p:embeddedFont>
-      <p:font typeface="Arimo Bold Italics" charset="1" panose="020B0704020202090204"/>
-      <p:regular r:id="rId13"/>
-    </p:embeddedFont>
-    <p:embeddedFont>
-      <p:font typeface="Canva Sans" charset="1" panose="020B0503030501040103"/>
-      <p:regular r:id="rId14"/>
-    </p:embeddedFont>
-    <p:embeddedFont>
-      <p:font typeface="Canva Sans Bold" charset="1" panose="020B0803030501040103"/>
-      <p:regular r:id="rId15"/>
-    </p:embeddedFont>
-    <p:embeddedFont>
-      <p:font typeface="Canva Sans Italics" charset="1" panose="020B0503030501040103"/>
-      <p:regular r:id="rId16"/>
-    </p:embeddedFont>
-    <p:embeddedFont>
-      <p:font typeface="Canva Sans Bold Italics" charset="1" panose="020B0803030501040103"/>
-      <p:regular r:id="rId17"/>
-    </p:embeddedFont>
-    <p:embeddedFont>
-      <p:font typeface="Canva Sans Medium" charset="1" panose="020B0603030501040103"/>
-      <p:regular r:id="rId18"/>
-    </p:embeddedFont>
-    <p:embeddedFont>
-      <p:font typeface="Canva Sans Medium Italics" charset="1" panose="020B0603030501040103"/>
-      <p:regular r:id="rId19"/>
-    </p:embeddedFont>
-    <p:embeddedFont>
-      <p:font typeface="Open Sauce" charset="1" panose="00000500000000000000"/>
-      <p:regular r:id="rId20"/>
-    </p:embeddedFont>
-    <p:embeddedFont>
-      <p:font typeface="Open Sauce Bold" charset="1" panose="00000800000000000000"/>
-      <p:regular r:id="rId21"/>
-    </p:embeddedFont>
-    <p:embeddedFont>
-      <p:font typeface="Open Sauce Italics" charset="1" panose="00000500000000000000"/>
-      <p:regular r:id="rId22"/>
-    </p:embeddedFont>
-    <p:embeddedFont>
-      <p:font typeface="Open Sauce Bold Italics" charset="1" panose="00000800000000000000"/>
-      <p:regular r:id="rId23"/>
-    </p:embeddedFont>
-    <p:embeddedFont>
-      <p:font typeface="Open Sauce Light" charset="1" panose="00000400000000000000"/>
-      <p:regular r:id="rId24"/>
-    </p:embeddedFont>
-    <p:embeddedFont>
-      <p:font typeface="Open Sauce Light Italics" charset="1" panose="00000400000000000000"/>
-      <p:regular r:id="rId25"/>
-    </p:embeddedFont>
-    <p:embeddedFont>
-      <p:font typeface="Open Sauce Medium" charset="1" panose="00000600000000000000"/>
-      <p:regular r:id="rId26"/>
-    </p:embeddedFont>
-    <p:embeddedFont>
-      <p:font typeface="Open Sauce Medium Italics" charset="1" panose="00000600000000000000"/>
-      <p:regular r:id="rId27"/>
-    </p:embeddedFont>
-    <p:embeddedFont>
-      <p:font typeface="Open Sauce Semi-Bold" charset="1" panose="00000700000000000000"/>
-      <p:regular r:id="rId28"/>
-    </p:embeddedFont>
-    <p:embeddedFont>
-      <p:font typeface="Open Sauce Semi-Bold Italics" charset="1" panose="00000700000000000000"/>
-      <p:regular r:id="rId29"/>
-    </p:embeddedFont>
-    <p:embeddedFont>
-      <p:font typeface="Open Sauce Heavy" charset="1" panose="00000A00000000000000"/>
-      <p:regular r:id="rId30"/>
-    </p:embeddedFont>
-    <p:embeddedFont>
-      <p:font typeface="Open Sauce Heavy Italics" charset="1" panose="00000A00000000000000"/>
-      <p:regular r:id="rId31"/>
     </p:embeddedFont>
   </p:embeddedFontLst>
   <p:defaultTextStyle>
@@ -215,6 +131,22 @@
       </a:defRPr>
     </a:lvl9pPr>
   </p:defaultTextStyle>
+  <p:extLst>
+    <p:ext uri="{EFAFB233-063F-42B5-8137-9DF3F51BA10A}">
+      <p15:sldGuideLst xmlns:p15="http://schemas.microsoft.com/office/powerpoint/2012/main">
+        <p15:guide id="1" orient="horz" pos="2160">
+          <p15:clr>
+            <a:srgbClr val="A4A3A4"/>
+          </p15:clr>
+        </p15:guide>
+        <p15:guide id="2" pos="2880">
+          <p15:clr>
+            <a:srgbClr val="A4A3A4"/>
+          </p15:clr>
+        </p15:guide>
+      </p15:sldGuideLst>
+    </p:ext>
+  </p:extLst>
 </p:presentation>
 </file>
 
@@ -256,10 +188,9 @@
           <a:lstStyle/>
           <a:p>
             <a:r>
-              <a:rPr lang="en-US" smtClean="0"/>
+              <a:rPr lang="en-US"/>
               <a:t>Click to edit Master title style</a:t>
             </a:r>
-            <a:endParaRPr lang="en-US"/>
           </a:p>
         </p:txBody>
       </p:sp>
@@ -375,10 +306,9 @@
           </a:lstStyle>
           <a:p>
             <a:r>
-              <a:rPr lang="en-US" smtClean="0"/>
+              <a:rPr lang="en-US"/>
               <a:t>Click to edit Master subtitle style</a:t>
             </a:r>
-            <a:endParaRPr lang="en-US"/>
           </a:p>
         </p:txBody>
       </p:sp>
@@ -400,7 +330,7 @@
             <a:fld id="{1D8BD707-D9CF-40AE-B4C6-C98DA3205C09}" type="datetimeFigureOut">
               <a:rPr lang="en-US" smtClean="0"/>
               <a:pPr/>
-              <a:t>8/1/2011</a:t>
+              <a:t>2/2/2024</a:t>
             </a:fld>
             <a:endParaRPr lang="en-US"/>
           </a:p>
@@ -490,10 +420,9 @@
           <a:lstStyle/>
           <a:p>
             <a:r>
-              <a:rPr lang="en-US" smtClean="0"/>
+              <a:rPr lang="en-US"/>
               <a:t>Click to edit Master title style</a:t>
             </a:r>
-            <a:endParaRPr lang="en-US"/>
           </a:p>
         </p:txBody>
       </p:sp>
@@ -514,38 +443,37 @@
           <a:p>
             <a:pPr lvl="0"/>
             <a:r>
-              <a:rPr lang="en-US" smtClean="0"/>
+              <a:rPr lang="en-US"/>
               <a:t>Click to edit Master text styles</a:t>
             </a:r>
           </a:p>
           <a:p>
             <a:pPr lvl="1"/>
             <a:r>
-              <a:rPr lang="en-US" smtClean="0"/>
+              <a:rPr lang="en-US"/>
               <a:t>Second level</a:t>
             </a:r>
           </a:p>
           <a:p>
             <a:pPr lvl="2"/>
             <a:r>
-              <a:rPr lang="en-US" smtClean="0"/>
+              <a:rPr lang="en-US"/>
               <a:t>Third level</a:t>
             </a:r>
           </a:p>
           <a:p>
             <a:pPr lvl="3"/>
             <a:r>
-              <a:rPr lang="en-US" smtClean="0"/>
+              <a:rPr lang="en-US"/>
               <a:t>Fourth level</a:t>
             </a:r>
           </a:p>
           <a:p>
             <a:pPr lvl="4"/>
             <a:r>
-              <a:rPr lang="en-US" smtClean="0"/>
+              <a:rPr lang="en-US"/>
               <a:t>Fifth level</a:t>
             </a:r>
-            <a:endParaRPr lang="en-US"/>
           </a:p>
         </p:txBody>
       </p:sp>
@@ -567,7 +495,7 @@
             <a:fld id="{1D8BD707-D9CF-40AE-B4C6-C98DA3205C09}" type="datetimeFigureOut">
               <a:rPr lang="en-US" smtClean="0"/>
               <a:pPr/>
-              <a:t>8/1/2011</a:t>
+              <a:t>2/2/2024</a:t>
             </a:fld>
             <a:endParaRPr lang="en-US"/>
           </a:p>
@@ -662,10 +590,9 @@
           <a:lstStyle/>
           <a:p>
             <a:r>
-              <a:rPr lang="en-US" smtClean="0"/>
+              <a:rPr lang="en-US"/>
               <a:t>Click to edit Master title style</a:t>
             </a:r>
-            <a:endParaRPr lang="en-US"/>
           </a:p>
         </p:txBody>
       </p:sp>
@@ -691,38 +618,37 @@
           <a:p>
             <a:pPr lvl="0"/>
             <a:r>
-              <a:rPr lang="en-US" smtClean="0"/>
+              <a:rPr lang="en-US"/>
               <a:t>Click to edit Master text styles</a:t>
             </a:r>
           </a:p>
           <a:p>
             <a:pPr lvl="1"/>
             <a:r>
-              <a:rPr lang="en-US" smtClean="0"/>
+              <a:rPr lang="en-US"/>
               <a:t>Second level</a:t>
             </a:r>
           </a:p>
           <a:p>
             <a:pPr lvl="2"/>
             <a:r>
-              <a:rPr lang="en-US" smtClean="0"/>
+              <a:rPr lang="en-US"/>
               <a:t>Third level</a:t>
             </a:r>
           </a:p>
           <a:p>
             <a:pPr lvl="3"/>
             <a:r>
-              <a:rPr lang="en-US" smtClean="0"/>
+              <a:rPr lang="en-US"/>
               <a:t>Fourth level</a:t>
             </a:r>
           </a:p>
           <a:p>
             <a:pPr lvl="4"/>
             <a:r>
-              <a:rPr lang="en-US" smtClean="0"/>
+              <a:rPr lang="en-US"/>
               <a:t>Fifth level</a:t>
             </a:r>
-            <a:endParaRPr lang="en-US"/>
           </a:p>
         </p:txBody>
       </p:sp>
@@ -744,7 +670,7 @@
             <a:fld id="{1D8BD707-D9CF-40AE-B4C6-C98DA3205C09}" type="datetimeFigureOut">
               <a:rPr lang="en-US" smtClean="0"/>
               <a:pPr/>
-              <a:t>8/1/2011</a:t>
+              <a:t>2/2/2024</a:t>
             </a:fld>
             <a:endParaRPr lang="en-US"/>
           </a:p>
@@ -834,10 +760,9 @@
           <a:lstStyle/>
           <a:p>
             <a:r>
-              <a:rPr lang="en-US" smtClean="0"/>
+              <a:rPr lang="en-US"/>
               <a:t>Click to edit Master title style</a:t>
             </a:r>
-            <a:endParaRPr lang="en-US"/>
           </a:p>
         </p:txBody>
       </p:sp>
@@ -858,38 +783,37 @@
           <a:p>
             <a:pPr lvl="0"/>
             <a:r>
-              <a:rPr lang="en-US" smtClean="0"/>
+              <a:rPr lang="en-US"/>
               <a:t>Click to edit Master text styles</a:t>
             </a:r>
           </a:p>
           <a:p>
             <a:pPr lvl="1"/>
             <a:r>
-              <a:rPr lang="en-US" smtClean="0"/>
+              <a:rPr lang="en-US"/>
               <a:t>Second level</a:t>
             </a:r>
           </a:p>
           <a:p>
             <a:pPr lvl="2"/>
             <a:r>
-              <a:rPr lang="en-US" smtClean="0"/>
+              <a:rPr lang="en-US"/>
               <a:t>Third level</a:t>
             </a:r>
           </a:p>
           <a:p>
             <a:pPr lvl="3"/>
             <a:r>
-              <a:rPr lang="en-US" smtClean="0"/>
+              <a:rPr lang="en-US"/>
               <a:t>Fourth level</a:t>
             </a:r>
           </a:p>
           <a:p>
             <a:pPr lvl="4"/>
             <a:r>
-              <a:rPr lang="en-US" smtClean="0"/>
+              <a:rPr lang="en-US"/>
               <a:t>Fifth level</a:t>
             </a:r>
-            <a:endParaRPr lang="en-US"/>
           </a:p>
         </p:txBody>
       </p:sp>
@@ -911,7 +835,7 @@
             <a:fld id="{1D8BD707-D9CF-40AE-B4C6-C98DA3205C09}" type="datetimeFigureOut">
               <a:rPr lang="en-US" smtClean="0"/>
               <a:pPr/>
-              <a:t>8/1/2011</a:t>
+              <a:t>2/2/2024</a:t>
             </a:fld>
             <a:endParaRPr lang="en-US"/>
           </a:p>
@@ -1010,10 +934,9 @@
           </a:lstStyle>
           <a:p>
             <a:r>
-              <a:rPr lang="en-US" smtClean="0"/>
+              <a:rPr lang="en-US"/>
               <a:t>Click to edit Master title style</a:t>
             </a:r>
-            <a:endParaRPr lang="en-US"/>
           </a:p>
         </p:txBody>
       </p:sp>
@@ -1130,7 +1053,7 @@
           <a:p>
             <a:pPr lvl="0"/>
             <a:r>
-              <a:rPr lang="en-US" smtClean="0"/>
+              <a:rPr lang="en-US"/>
               <a:t>Click to edit Master text styles</a:t>
             </a:r>
           </a:p>
@@ -1154,7 +1077,7 @@
             <a:fld id="{1D8BD707-D9CF-40AE-B4C6-C98DA3205C09}" type="datetimeFigureOut">
               <a:rPr lang="en-US" smtClean="0"/>
               <a:pPr/>
-              <a:t>8/1/2011</a:t>
+              <a:t>2/2/2024</a:t>
             </a:fld>
             <a:endParaRPr lang="en-US"/>
           </a:p>
@@ -1244,10 +1167,9 @@
           <a:lstStyle/>
           <a:p>
             <a:r>
-              <a:rPr lang="en-US" smtClean="0"/>
+              <a:rPr lang="en-US"/>
               <a:t>Click to edit Master title style</a:t>
             </a:r>
-            <a:endParaRPr lang="en-US"/>
           </a:p>
         </p:txBody>
       </p:sp>
@@ -1301,38 +1223,37 @@
           <a:p>
             <a:pPr lvl="0"/>
             <a:r>
-              <a:rPr lang="en-US" smtClean="0"/>
+              <a:rPr lang="en-US"/>
               <a:t>Click to edit Master text styles</a:t>
             </a:r>
           </a:p>
           <a:p>
             <a:pPr lvl="1"/>
             <a:r>
-              <a:rPr lang="en-US" smtClean="0"/>
+              <a:rPr lang="en-US"/>
               <a:t>Second level</a:t>
             </a:r>
           </a:p>
           <a:p>
             <a:pPr lvl="2"/>
             <a:r>
-              <a:rPr lang="en-US" smtClean="0"/>
+              <a:rPr lang="en-US"/>
               <a:t>Third level</a:t>
             </a:r>
           </a:p>
           <a:p>
             <a:pPr lvl="3"/>
             <a:r>
-              <a:rPr lang="en-US" smtClean="0"/>
+              <a:rPr lang="en-US"/>
               <a:t>Fourth level</a:t>
             </a:r>
           </a:p>
           <a:p>
             <a:pPr lvl="4"/>
             <a:r>
-              <a:rPr lang="en-US" smtClean="0"/>
+              <a:rPr lang="en-US"/>
               <a:t>Fifth level</a:t>
             </a:r>
-            <a:endParaRPr lang="en-US"/>
           </a:p>
         </p:txBody>
       </p:sp>
@@ -1386,38 +1307,37 @@
           <a:p>
             <a:pPr lvl="0"/>
             <a:r>
-              <a:rPr lang="en-US" smtClean="0"/>
+              <a:rPr lang="en-US"/>
               <a:t>Click to edit Master text styles</a:t>
             </a:r>
           </a:p>
           <a:p>
             <a:pPr lvl="1"/>
             <a:r>
-              <a:rPr lang="en-US" smtClean="0"/>
+              <a:rPr lang="en-US"/>
               <a:t>Second level</a:t>
             </a:r>
           </a:p>
           <a:p>
             <a:pPr lvl="2"/>
             <a:r>
-              <a:rPr lang="en-US" smtClean="0"/>
+              <a:rPr lang="en-US"/>
               <a:t>Third level</a:t>
             </a:r>
           </a:p>
           <a:p>
             <a:pPr lvl="3"/>
             <a:r>
-              <a:rPr lang="en-US" smtClean="0"/>
+              <a:rPr lang="en-US"/>
               <a:t>Fourth level</a:t>
             </a:r>
           </a:p>
           <a:p>
             <a:pPr lvl="4"/>
             <a:r>
-              <a:rPr lang="en-US" smtClean="0"/>
+              <a:rPr lang="en-US"/>
               <a:t>Fifth level</a:t>
             </a:r>
-            <a:endParaRPr lang="en-US"/>
           </a:p>
         </p:txBody>
       </p:sp>
@@ -1439,7 +1359,7 @@
             <a:fld id="{1D8BD707-D9CF-40AE-B4C6-C98DA3205C09}" type="datetimeFigureOut">
               <a:rPr lang="en-US" smtClean="0"/>
               <a:pPr/>
-              <a:t>8/1/2011</a:t>
+              <a:t>2/2/2024</a:t>
             </a:fld>
             <a:endParaRPr lang="en-US"/>
           </a:p>
@@ -1533,10 +1453,9 @@
           </a:lstStyle>
           <a:p>
             <a:r>
-              <a:rPr lang="en-US" smtClean="0"/>
+              <a:rPr lang="en-US"/>
               <a:t>Click to edit Master title style</a:t>
             </a:r>
-            <a:endParaRPr lang="en-US"/>
           </a:p>
         </p:txBody>
       </p:sp>
@@ -1599,7 +1518,7 @@
           <a:p>
             <a:pPr lvl="0"/>
             <a:r>
-              <a:rPr lang="en-US" smtClean="0"/>
+              <a:rPr lang="en-US"/>
               <a:t>Click to edit Master text styles</a:t>
             </a:r>
           </a:p>
@@ -1655,38 +1574,37 @@
           <a:p>
             <a:pPr lvl="0"/>
             <a:r>
-              <a:rPr lang="en-US" smtClean="0"/>
+              <a:rPr lang="en-US"/>
               <a:t>Click to edit Master text styles</a:t>
             </a:r>
           </a:p>
           <a:p>
             <a:pPr lvl="1"/>
             <a:r>
-              <a:rPr lang="en-US" smtClean="0"/>
+              <a:rPr lang="en-US"/>
               <a:t>Second level</a:t>
             </a:r>
           </a:p>
           <a:p>
             <a:pPr lvl="2"/>
             <a:r>
-              <a:rPr lang="en-US" smtClean="0"/>
+              <a:rPr lang="en-US"/>
               <a:t>Third level</a:t>
             </a:r>
           </a:p>
           <a:p>
             <a:pPr lvl="3"/>
             <a:r>
-              <a:rPr lang="en-US" smtClean="0"/>
+              <a:rPr lang="en-US"/>
               <a:t>Fourth level</a:t>
             </a:r>
           </a:p>
           <a:p>
             <a:pPr lvl="4"/>
             <a:r>
-              <a:rPr lang="en-US" smtClean="0"/>
+              <a:rPr lang="en-US"/>
               <a:t>Fifth level</a:t>
             </a:r>
-            <a:endParaRPr lang="en-US"/>
           </a:p>
         </p:txBody>
       </p:sp>
@@ -1749,7 +1667,7 @@
           <a:p>
             <a:pPr lvl="0"/>
             <a:r>
-              <a:rPr lang="en-US" smtClean="0"/>
+              <a:rPr lang="en-US"/>
               <a:t>Click to edit Master text styles</a:t>
             </a:r>
           </a:p>
@@ -1805,38 +1723,37 @@
           <a:p>
             <a:pPr lvl="0"/>
             <a:r>
-              <a:rPr lang="en-US" smtClean="0"/>
+              <a:rPr lang="en-US"/>
               <a:t>Click to edit Master text styles</a:t>
             </a:r>
           </a:p>
           <a:p>
             <a:pPr lvl="1"/>
             <a:r>
-              <a:rPr lang="en-US" smtClean="0"/>
+              <a:rPr lang="en-US"/>
               <a:t>Second level</a:t>
             </a:r>
           </a:p>
           <a:p>
             <a:pPr lvl="2"/>
             <a:r>
-              <a:rPr lang="en-US" smtClean="0"/>
+              <a:rPr lang="en-US"/>
               <a:t>Third level</a:t>
             </a:r>
           </a:p>
           <a:p>
             <a:pPr lvl="3"/>
             <a:r>
-              <a:rPr lang="en-US" smtClean="0"/>
+              <a:rPr lang="en-US"/>
               <a:t>Fourth level</a:t>
             </a:r>
           </a:p>
           <a:p>
             <a:pPr lvl="4"/>
             <a:r>
-              <a:rPr lang="en-US" smtClean="0"/>
+              <a:rPr lang="en-US"/>
               <a:t>Fifth level</a:t>
             </a:r>
-            <a:endParaRPr lang="en-US"/>
           </a:p>
         </p:txBody>
       </p:sp>
@@ -1858,7 +1775,7 @@
             <a:fld id="{1D8BD707-D9CF-40AE-B4C6-C98DA3205C09}" type="datetimeFigureOut">
               <a:rPr lang="en-US" smtClean="0"/>
               <a:pPr/>
-              <a:t>8/1/2011</a:t>
+              <a:t>2/2/2024</a:t>
             </a:fld>
             <a:endParaRPr lang="en-US"/>
           </a:p>
@@ -1948,10 +1865,9 @@
           <a:lstStyle/>
           <a:p>
             <a:r>
-              <a:rPr lang="en-US" smtClean="0"/>
+              <a:rPr lang="en-US"/>
               <a:t>Click to edit Master title style</a:t>
             </a:r>
-            <a:endParaRPr lang="en-US"/>
           </a:p>
         </p:txBody>
       </p:sp>
@@ -1973,7 +1889,7 @@
             <a:fld id="{1D8BD707-D9CF-40AE-B4C6-C98DA3205C09}" type="datetimeFigureOut">
               <a:rPr lang="en-US" smtClean="0"/>
               <a:pPr/>
-              <a:t>8/1/2011</a:t>
+              <a:t>2/2/2024</a:t>
             </a:fld>
             <a:endParaRPr lang="en-US"/>
           </a:p>
@@ -2065,7 +1981,7 @@
             <a:fld id="{1D8BD707-D9CF-40AE-B4C6-C98DA3205C09}" type="datetimeFigureOut">
               <a:rPr lang="en-US" smtClean="0"/>
               <a:pPr/>
-              <a:t>8/1/2011</a:t>
+              <a:t>2/2/2024</a:t>
             </a:fld>
             <a:endParaRPr lang="en-US"/>
           </a:p>
@@ -2164,10 +2080,9 @@
           </a:lstStyle>
           <a:p>
             <a:r>
-              <a:rPr lang="en-US" smtClean="0"/>
+              <a:rPr lang="en-US"/>
               <a:t>Click to edit Master title style</a:t>
             </a:r>
-            <a:endParaRPr lang="en-US"/>
           </a:p>
         </p:txBody>
       </p:sp>
@@ -2221,38 +2136,37 @@
           <a:p>
             <a:pPr lvl="0"/>
             <a:r>
-              <a:rPr lang="en-US" smtClean="0"/>
+              <a:rPr lang="en-US"/>
               <a:t>Click to edit Master text styles</a:t>
             </a:r>
           </a:p>
           <a:p>
             <a:pPr lvl="1"/>
             <a:r>
-              <a:rPr lang="en-US" smtClean="0"/>
+              <a:rPr lang="en-US"/>
               <a:t>Second level</a:t>
             </a:r>
           </a:p>
           <a:p>
             <a:pPr lvl="2"/>
             <a:r>
-              <a:rPr lang="en-US" smtClean="0"/>
+              <a:rPr lang="en-US"/>
               <a:t>Third level</a:t>
             </a:r>
           </a:p>
           <a:p>
             <a:pPr lvl="3"/>
             <a:r>
-              <a:rPr lang="en-US" smtClean="0"/>
+              <a:rPr lang="en-US"/>
               <a:t>Fourth level</a:t>
             </a:r>
           </a:p>
           <a:p>
             <a:pPr lvl="4"/>
             <a:r>
-              <a:rPr lang="en-US" smtClean="0"/>
+              <a:rPr lang="en-US"/>
               <a:t>Fifth level</a:t>
             </a:r>
-            <a:endParaRPr lang="en-US"/>
           </a:p>
         </p:txBody>
       </p:sp>
@@ -2315,7 +2229,7 @@
           <a:p>
             <a:pPr lvl="0"/>
             <a:r>
-              <a:rPr lang="en-US" smtClean="0"/>
+              <a:rPr lang="en-US"/>
               <a:t>Click to edit Master text styles</a:t>
             </a:r>
           </a:p>
@@ -2339,7 +2253,7 @@
             <a:fld id="{1D8BD707-D9CF-40AE-B4C6-C98DA3205C09}" type="datetimeFigureOut">
               <a:rPr lang="en-US" smtClean="0"/>
               <a:pPr/>
-              <a:t>8/1/2011</a:t>
+              <a:t>2/2/2024</a:t>
             </a:fld>
             <a:endParaRPr lang="en-US"/>
           </a:p>
@@ -2438,10 +2352,9 @@
           </a:lstStyle>
           <a:p>
             <a:r>
-              <a:rPr lang="en-US" smtClean="0"/>
+              <a:rPr lang="en-US"/>
               <a:t>Click to edit Master title style</a:t>
             </a:r>
-            <a:endParaRPr lang="en-US"/>
           </a:p>
         </p:txBody>
       </p:sp>
@@ -2565,7 +2478,7 @@
           <a:p>
             <a:pPr lvl="0"/>
             <a:r>
-              <a:rPr lang="en-US" smtClean="0"/>
+              <a:rPr lang="en-US"/>
               <a:t>Click to edit Master text styles</a:t>
             </a:r>
           </a:p>
@@ -2589,7 +2502,7 @@
             <a:fld id="{1D8BD707-D9CF-40AE-B4C6-C98DA3205C09}" type="datetimeFigureOut">
               <a:rPr lang="en-US" smtClean="0"/>
               <a:pPr/>
-              <a:t>8/1/2011</a:t>
+              <a:t>2/2/2024</a:t>
             </a:fld>
             <a:endParaRPr lang="en-US"/>
           </a:p>
@@ -2694,10 +2607,9 @@
           <a:lstStyle/>
           <a:p>
             <a:r>
-              <a:rPr lang="en-US" smtClean="0"/>
+              <a:rPr lang="en-US"/>
               <a:t>Click to edit Master title style</a:t>
             </a:r>
-            <a:endParaRPr lang="en-US"/>
           </a:p>
         </p:txBody>
       </p:sp>
@@ -2728,38 +2640,37 @@
           <a:p>
             <a:pPr lvl="0"/>
             <a:r>
-              <a:rPr lang="en-US" smtClean="0"/>
+              <a:rPr lang="en-US"/>
               <a:t>Click to edit Master text styles</a:t>
             </a:r>
           </a:p>
           <a:p>
             <a:pPr lvl="1"/>
             <a:r>
-              <a:rPr lang="en-US" smtClean="0"/>
+              <a:rPr lang="en-US"/>
               <a:t>Second level</a:t>
             </a:r>
           </a:p>
           <a:p>
             <a:pPr lvl="2"/>
             <a:r>
-              <a:rPr lang="en-US" smtClean="0"/>
+              <a:rPr lang="en-US"/>
               <a:t>Third level</a:t>
             </a:r>
           </a:p>
           <a:p>
             <a:pPr lvl="3"/>
             <a:r>
-              <a:rPr lang="en-US" smtClean="0"/>
+              <a:rPr lang="en-US"/>
               <a:t>Fourth level</a:t>
             </a:r>
           </a:p>
           <a:p>
             <a:pPr lvl="4"/>
             <a:r>
-              <a:rPr lang="en-US" smtClean="0"/>
+              <a:rPr lang="en-US"/>
               <a:t>Fifth level</a:t>
             </a:r>
-            <a:endParaRPr lang="en-US"/>
           </a:p>
         </p:txBody>
       </p:sp>
@@ -2799,7 +2710,7 @@
             <a:fld id="{1D8BD707-D9CF-40AE-B4C6-C98DA3205C09}" type="datetimeFigureOut">
               <a:rPr lang="en-US" smtClean="0"/>
               <a:pPr/>
-              <a:t>8/1/2011</a:t>
+              <a:t>2/2/2024</a:t>
             </a:fld>
             <a:endParaRPr lang="en-US"/>
           </a:p>
@@ -3154,7 +3065,7 @@
 </file>
 
 <file path=ppt/slides/slide1.xml><?xml version="1.0" encoding="utf-8"?>
-<p:sld xmlns:p="http://schemas.openxmlformats.org/presentationml/2006/main" xmlns:a="http://schemas.openxmlformats.org/drawingml/2006/main" xmlns:r="http://schemas.openxmlformats.org/officeDocument/2006/relationships">
+<p:sld xmlns:a="http://schemas.openxmlformats.org/drawingml/2006/main" xmlns:r="http://schemas.openxmlformats.org/officeDocument/2006/relationships" xmlns:p="http://schemas.openxmlformats.org/presentationml/2006/main">
   <p:cSld>
     <p:spTree>
       <p:nvGrpSpPr>
@@ -3172,12 +3083,12 @@
       </p:grpSpPr>
       <p:sp>
         <p:nvSpPr>
-          <p:cNvPr name="Freeform 2" id="2"/>
+          <p:cNvPr id="2" name="Freeform 2"/>
           <p:cNvSpPr/>
           <p:nvPr/>
         </p:nvSpPr>
         <p:spPr>
-          <a:xfrm flipH="true" flipV="true" rot="0">
+          <a:xfrm flipH="1" flipV="1">
             <a:off x="0" y="0"/>
             <a:ext cx="18288000" cy="10287000"/>
           </a:xfrm>
@@ -3186,9 +3097,9 @@
             <a:gdLst/>
             <a:ahLst/>
             <a:cxnLst/>
-            <a:rect r="r" b="b" t="t" l="l"/>
+            <a:rect l="l" t="t" r="r" b="b"/>
             <a:pathLst>
-              <a:path h="10287000" w="18288000">
+              <a:path w="18288000" h="10287000">
                 <a:moveTo>
                   <a:pt x="18288000" y="10287000"/>
                 </a:moveTo>
@@ -3211,19 +3122,19 @@
           <a:blipFill>
             <a:blip r:embed="rId2"/>
             <a:stretch>
-              <a:fillRect l="0" t="-38888" r="0" b="-38888"/>
+              <a:fillRect t="-38888" b="-38888"/>
             </a:stretch>
           </a:blipFill>
         </p:spPr>
       </p:sp>
       <p:sp>
         <p:nvSpPr>
-          <p:cNvPr name="Freeform 3" id="3"/>
+          <p:cNvPr id="3" name="Freeform 3"/>
           <p:cNvSpPr/>
           <p:nvPr/>
         </p:nvSpPr>
         <p:spPr>
-          <a:xfrm flipH="false" flipV="false" rot="7659121">
+          <a:xfrm rot="7659121">
             <a:off x="15091031" y="5585714"/>
             <a:ext cx="7629294" cy="7828566"/>
           </a:xfrm>
@@ -3232,9 +3143,9 @@
             <a:gdLst/>
             <a:ahLst/>
             <a:cxnLst/>
-            <a:rect r="r" b="b" t="t" l="l"/>
+            <a:rect l="l" t="t" r="r" b="b"/>
             <a:pathLst>
-              <a:path h="7828566" w="7629294">
+              <a:path w="7629294" h="7828566">
                 <a:moveTo>
                   <a:pt x="0" y="0"/>
                 </a:moveTo>
@@ -3263,19 +3174,19 @@
               </a:extLst>
             </a:blip>
             <a:stretch>
-              <a:fillRect l="0" t="0" r="0" b="0"/>
+              <a:fillRect/>
             </a:stretch>
           </a:blipFill>
         </p:spPr>
       </p:sp>
       <p:sp>
         <p:nvSpPr>
-          <p:cNvPr name="Freeform 4" id="4"/>
+          <p:cNvPr id="4" name="Freeform 4"/>
           <p:cNvSpPr/>
           <p:nvPr/>
         </p:nvSpPr>
         <p:spPr>
-          <a:xfrm flipH="false" flipV="false" rot="0">
+          <a:xfrm>
             <a:off x="-3258071" y="-4629150"/>
             <a:ext cx="9022634" cy="9258300"/>
           </a:xfrm>
@@ -3284,9 +3195,9 @@
             <a:gdLst/>
             <a:ahLst/>
             <a:cxnLst/>
-            <a:rect r="r" b="b" t="t" l="l"/>
+            <a:rect l="l" t="t" r="r" b="b"/>
             <a:pathLst>
-              <a:path h="9258300" w="9022634">
+              <a:path w="9022634" h="9258300">
                 <a:moveTo>
                   <a:pt x="0" y="0"/>
                 </a:moveTo>
@@ -3315,19 +3226,19 @@
               </a:extLst>
             </a:blip>
             <a:stretch>
-              <a:fillRect l="0" t="0" r="0" b="0"/>
+              <a:fillRect/>
             </a:stretch>
           </a:blipFill>
         </p:spPr>
       </p:sp>
       <p:grpSp>
         <p:nvGrpSpPr>
-          <p:cNvPr name="Group 5" id="5"/>
+          <p:cNvPr id="5" name="Group 5"/>
           <p:cNvGrpSpPr/>
           <p:nvPr/>
         </p:nvGrpSpPr>
         <p:grpSpPr>
-          <a:xfrm rot="0">
+          <a:xfrm>
             <a:off x="4236347" y="3202251"/>
             <a:ext cx="9815307" cy="4208864"/>
             <a:chOff x="0" y="0"/>
@@ -3336,12 +3247,12 @@
         </p:grpSpPr>
         <p:sp>
           <p:nvSpPr>
-            <p:cNvPr name="Freeform 6" id="6"/>
+            <p:cNvPr id="6" name="Freeform 6"/>
             <p:cNvSpPr/>
             <p:nvPr/>
           </p:nvSpPr>
           <p:spPr>
-            <a:xfrm flipH="false" flipV="false" rot="0">
+            <a:xfrm>
               <a:off x="0" y="0"/>
               <a:ext cx="1895495" cy="812800"/>
             </a:xfrm>
@@ -3350,9 +3261,9 @@
               <a:gdLst/>
               <a:ahLst/>
               <a:cxnLst/>
-              <a:rect r="r" b="b" t="t" l="l"/>
+              <a:rect l="l" t="t" r="r" b="b"/>
               <a:pathLst>
-                <a:path h="812800" w="1895495">
+                <a:path w="1895495" h="812800">
                   <a:moveTo>
                     <a:pt x="0" y="0"/>
                   </a:moveTo>
@@ -3385,8 +3296,8 @@
         </p:sp>
         <p:sp>
           <p:nvSpPr>
-            <p:cNvPr name="TextBox 7" id="7"/>
-            <p:cNvSpPr txBox="true"/>
+            <p:cNvPr id="7" name="TextBox 7"/>
+            <p:cNvSpPr txBox="1"/>
             <p:nvPr/>
           </p:nvSpPr>
           <p:spPr>
@@ -3399,7 +3310,7 @@
             </a:prstGeom>
           </p:spPr>
           <p:txBody>
-            <a:bodyPr anchor="ctr" rtlCol="false" tIns="50800" lIns="50800" bIns="50800" rIns="50800"/>
+            <a:bodyPr lIns="50800" tIns="50800" rIns="50800" bIns="50800" rtlCol="0" anchor="ctr"/>
             <a:lstStyle/>
             <a:p>
               <a:pPr algn="ctr">
@@ -3422,12 +3333,12 @@
       </p:grpSp>
       <p:sp>
         <p:nvSpPr>
-          <p:cNvPr name="Freeform 8" id="8"/>
+          <p:cNvPr id="8" name="Freeform 8"/>
           <p:cNvSpPr/>
           <p:nvPr/>
         </p:nvSpPr>
         <p:spPr>
-          <a:xfrm flipH="false" flipV="false" rot="0">
+          <a:xfrm>
             <a:off x="16028014" y="793833"/>
             <a:ext cx="596933" cy="613568"/>
           </a:xfrm>
@@ -3436,9 +3347,9 @@
             <a:gdLst/>
             <a:ahLst/>
             <a:cxnLst/>
-            <a:rect r="r" b="b" t="t" l="l"/>
+            <a:rect l="l" t="t" r="r" b="b"/>
             <a:pathLst>
-              <a:path h="613568" w="596933">
+              <a:path w="596933" h="613568">
                 <a:moveTo>
                   <a:pt x="0" y="0"/>
                 </a:moveTo>
@@ -3467,19 +3378,19 @@
               </a:extLst>
             </a:blip>
             <a:stretch>
-              <a:fillRect l="0" t="0" r="0" b="0"/>
+              <a:fillRect/>
             </a:stretch>
           </a:blipFill>
         </p:spPr>
       </p:sp>
       <p:sp>
         <p:nvSpPr>
-          <p:cNvPr name="TextBox 9" id="9"/>
-          <p:cNvSpPr txBox="true"/>
+          <p:cNvPr id="9" name="TextBox 9"/>
+          <p:cNvSpPr txBox="1"/>
           <p:nvPr/>
         </p:nvSpPr>
         <p:spPr>
-          <a:xfrm rot="0">
+          <a:xfrm>
             <a:off x="4236347" y="3438109"/>
             <a:ext cx="9815307" cy="1186902"/>
           </a:xfrm>
@@ -3488,7 +3399,7 @@
           </a:prstGeom>
         </p:spPr>
         <p:txBody>
-          <a:bodyPr anchor="t" rtlCol="false" tIns="0" lIns="0" bIns="0" rIns="0">
+          <a:bodyPr lIns="0" tIns="0" rIns="0" bIns="0" rtlCol="0" anchor="t">
             <a:spAutoFit/>
           </a:bodyPr>
           <a:lstStyle/>
@@ -3512,12 +3423,12 @@
       </p:sp>
       <p:sp>
         <p:nvSpPr>
-          <p:cNvPr name="TextBox 10" id="10"/>
-          <p:cNvSpPr txBox="true"/>
+          <p:cNvPr id="10" name="TextBox 10"/>
+          <p:cNvSpPr txBox="1"/>
           <p:nvPr/>
         </p:nvSpPr>
         <p:spPr>
-          <a:xfrm rot="0">
+          <a:xfrm>
             <a:off x="15393660" y="1538248"/>
             <a:ext cx="1865640" cy="284181"/>
           </a:xfrm>
@@ -3526,12 +3437,12 @@
           </a:prstGeom>
         </p:spPr>
         <p:txBody>
-          <a:bodyPr anchor="t" rtlCol="false" tIns="0" lIns="0" bIns="0" rIns="0">
+          <a:bodyPr lIns="0" tIns="0" rIns="0" bIns="0" rtlCol="0" anchor="t">
             <a:spAutoFit/>
           </a:bodyPr>
           <a:lstStyle/>
           <a:p>
-            <a:pPr algn="ctr" marL="0" indent="0" lvl="0">
+            <a:pPr marL="0" lvl="0" indent="0" algn="ctr">
               <a:lnSpc>
                 <a:spcPts val="2394"/>
               </a:lnSpc>
@@ -3560,13 +3471,14 @@
 </file>
 
 <file path=ppt/slides/slide2.xml><?xml version="1.0" encoding="utf-8"?>
-<p:sld xmlns:p="http://schemas.openxmlformats.org/presentationml/2006/main" xmlns:a="http://schemas.openxmlformats.org/drawingml/2006/main">
+<p:sld xmlns:a="http://schemas.openxmlformats.org/drawingml/2006/main" xmlns:r="http://schemas.openxmlformats.org/officeDocument/2006/relationships" xmlns:p="http://schemas.openxmlformats.org/presentationml/2006/main">
   <p:cSld>
     <p:bg>
       <p:bgPr>
         <a:solidFill>
           <a:srgbClr val="F2F4F5"/>
         </a:solidFill>
+        <a:effectLst/>
       </p:bgPr>
     </p:bg>
     <p:spTree>
@@ -3585,13 +3497,13 @@
       </p:grpSpPr>
       <p:sp>
         <p:nvSpPr>
-          <p:cNvPr name="TextBox 2" id="2"/>
-          <p:cNvSpPr txBox="true"/>
+          <p:cNvPr id="2" name="TextBox 2"/>
+          <p:cNvSpPr txBox="1"/>
           <p:nvPr/>
         </p:nvSpPr>
         <p:spPr>
-          <a:xfrm rot="0">
-            <a:off x="3704944" y="2283455"/>
+          <a:xfrm>
+            <a:off x="3704944" y="419100"/>
             <a:ext cx="10269736" cy="1566544"/>
           </a:xfrm>
           <a:prstGeom prst="rect">
@@ -3599,7 +3511,7 @@
           </a:prstGeom>
         </p:spPr>
         <p:txBody>
-          <a:bodyPr anchor="t" rtlCol="false" tIns="0" lIns="0" bIns="0" rIns="0">
+          <a:bodyPr lIns="0" tIns="0" rIns="0" bIns="0" rtlCol="0" anchor="t">
             <a:spAutoFit/>
           </a:bodyPr>
           <a:lstStyle/>
@@ -3610,7 +3522,7 @@
               </a:lnSpc>
             </a:pPr>
             <a:r>
-              <a:rPr lang="en-US" sz="9200">
+              <a:rPr lang="en-US" sz="9200" dirty="0">
                 <a:solidFill>
                   <a:srgbClr val="000000"/>
                 </a:solidFill>
@@ -3623,12 +3535,12 @@
       </p:sp>
       <p:sp>
         <p:nvSpPr>
-          <p:cNvPr name="TextBox 3" id="3"/>
-          <p:cNvSpPr txBox="true"/>
+          <p:cNvPr id="3" name="TextBox 3"/>
+          <p:cNvSpPr txBox="1"/>
           <p:nvPr/>
         </p:nvSpPr>
         <p:spPr>
-          <a:xfrm rot="0">
+          <a:xfrm>
             <a:off x="5543939" y="4403446"/>
             <a:ext cx="6591746" cy="1811020"/>
           </a:xfrm>
@@ -3637,12 +3549,12 @@
           </a:prstGeom>
         </p:spPr>
         <p:txBody>
-          <a:bodyPr anchor="t" rtlCol="false" tIns="0" lIns="0" bIns="0" rIns="0">
+          <a:bodyPr lIns="0" tIns="0" rIns="0" bIns="0" rtlCol="0" anchor="t">
             <a:spAutoFit/>
           </a:bodyPr>
           <a:lstStyle/>
           <a:p>
-            <a:pPr algn="ctr" marL="1122679" indent="-561340" lvl="1">
+            <a:pPr marL="1122679" lvl="1" indent="-561340" algn="ctr">
               <a:lnSpc>
                 <a:spcPts val="7279"/>
               </a:lnSpc>
@@ -3650,7 +3562,7 @@
               <a:buChar char="•"/>
             </a:pPr>
             <a:r>
-              <a:rPr lang="en-US" sz="5199">
+              <a:rPr lang="en-US" sz="5199" dirty="0">
                 <a:solidFill>
                   <a:srgbClr val="000000"/>
                 </a:solidFill>
@@ -3660,7 +3572,7 @@
             </a:r>
           </a:p>
           <a:p>
-            <a:pPr algn="ctr" marL="1122679" indent="-561340" lvl="1">
+            <a:pPr marL="1122679" lvl="1" indent="-561340" algn="ctr">
               <a:lnSpc>
                 <a:spcPts val="7279"/>
               </a:lnSpc>
@@ -3668,7 +3580,7 @@
               <a:buChar char="•"/>
             </a:pPr>
             <a:r>
-              <a:rPr lang="en-US" sz="5199">
+              <a:rPr lang="en-US" sz="5199" dirty="0">
                 <a:solidFill>
                   <a:srgbClr val="000000"/>
                 </a:solidFill>
@@ -3688,13 +3600,14 @@
 </file>
 
 <file path=ppt/slides/slide3.xml><?xml version="1.0" encoding="utf-8"?>
-<p:sld xmlns:p="http://schemas.openxmlformats.org/presentationml/2006/main" xmlns:a="http://schemas.openxmlformats.org/drawingml/2006/main">
+<p:sld xmlns:a="http://schemas.openxmlformats.org/drawingml/2006/main" xmlns:r="http://schemas.openxmlformats.org/officeDocument/2006/relationships" xmlns:p="http://schemas.openxmlformats.org/presentationml/2006/main">
   <p:cSld>
     <p:bg>
       <p:bgPr>
         <a:solidFill>
           <a:srgbClr val="F2F4F5"/>
         </a:solidFill>
+        <a:effectLst/>
       </p:bgPr>
     </p:bg>
     <p:spTree>
@@ -3713,21 +3626,21 @@
       </p:grpSpPr>
       <p:sp>
         <p:nvSpPr>
-          <p:cNvPr name="TextBox 2" id="2"/>
-          <p:cNvSpPr txBox="true"/>
+          <p:cNvPr id="2" name="TextBox 2"/>
+          <p:cNvSpPr txBox="1"/>
           <p:nvPr/>
         </p:nvSpPr>
         <p:spPr>
-          <a:xfrm rot="0">
-            <a:off x="7335240" y="1548586"/>
-            <a:ext cx="2566690" cy="1566544"/>
+          <a:xfrm>
+            <a:off x="7071940" y="571500"/>
+            <a:ext cx="3443660" cy="1545295"/>
           </a:xfrm>
           <a:prstGeom prst="rect">
             <a:avLst/>
           </a:prstGeom>
         </p:spPr>
         <p:txBody>
-          <a:bodyPr anchor="t" rtlCol="false" tIns="0" lIns="0" bIns="0" rIns="0">
+          <a:bodyPr wrap="square" lIns="0" tIns="0" rIns="0" bIns="0" rtlCol="0" anchor="t">
             <a:spAutoFit/>
           </a:bodyPr>
           <a:lstStyle/>
@@ -3738,7 +3651,7 @@
               </a:lnSpc>
             </a:pPr>
             <a:r>
-              <a:rPr lang="en-US" sz="9200">
+              <a:rPr lang="en-US" sz="9200" dirty="0">
                 <a:solidFill>
                   <a:srgbClr val="000000"/>
                 </a:solidFill>
@@ -3751,12 +3664,12 @@
       </p:sp>
       <p:sp>
         <p:nvSpPr>
-          <p:cNvPr name="TextBox 3" id="3"/>
-          <p:cNvSpPr txBox="true"/>
+          <p:cNvPr id="3" name="TextBox 3"/>
+          <p:cNvSpPr txBox="1"/>
           <p:nvPr/>
         </p:nvSpPr>
         <p:spPr>
-          <a:xfrm rot="0">
+          <a:xfrm>
             <a:off x="561305" y="4819967"/>
             <a:ext cx="15587960" cy="580390"/>
           </a:xfrm>
@@ -3765,12 +3678,12 @@
           </a:prstGeom>
         </p:spPr>
         <p:txBody>
-          <a:bodyPr anchor="t" rtlCol="false" tIns="0" lIns="0" bIns="0" rIns="0">
+          <a:bodyPr lIns="0" tIns="0" rIns="0" bIns="0" rtlCol="0" anchor="t">
             <a:spAutoFit/>
           </a:bodyPr>
           <a:lstStyle/>
           <a:p>
-            <a:pPr algn="ctr" marL="734059" indent="-367030" lvl="1">
+            <a:pPr marL="734059" lvl="1" indent="-367030" algn="ctr">
               <a:lnSpc>
                 <a:spcPts val="4759"/>
               </a:lnSpc>
@@ -3791,12 +3704,12 @@
       </p:sp>
       <p:sp>
         <p:nvSpPr>
-          <p:cNvPr name="TextBox 4" id="4"/>
-          <p:cNvSpPr txBox="true"/>
+          <p:cNvPr id="4" name="TextBox 4"/>
+          <p:cNvSpPr txBox="1"/>
           <p:nvPr/>
         </p:nvSpPr>
         <p:spPr>
-          <a:xfrm rot="0">
+          <a:xfrm>
             <a:off x="561305" y="5787838"/>
             <a:ext cx="16389846" cy="580390"/>
           </a:xfrm>
@@ -3805,12 +3718,12 @@
           </a:prstGeom>
         </p:spPr>
         <p:txBody>
-          <a:bodyPr anchor="t" rtlCol="false" tIns="0" lIns="0" bIns="0" rIns="0">
+          <a:bodyPr lIns="0" tIns="0" rIns="0" bIns="0" rtlCol="0" anchor="t">
             <a:spAutoFit/>
           </a:bodyPr>
           <a:lstStyle/>
           <a:p>
-            <a:pPr algn="ctr" marL="734059" indent="-367030" lvl="1">
+            <a:pPr marL="734059" lvl="1" indent="-367030" algn="ctr">
               <a:lnSpc>
                 <a:spcPts val="4759"/>
               </a:lnSpc>
@@ -3838,13 +3751,14 @@
 </file>
 
 <file path=ppt/slides/slide4.xml><?xml version="1.0" encoding="utf-8"?>
-<p:sld xmlns:p="http://schemas.openxmlformats.org/presentationml/2006/main" xmlns:a="http://schemas.openxmlformats.org/drawingml/2006/main" xmlns:r="http://schemas.openxmlformats.org/officeDocument/2006/relationships">
+<p:sld xmlns:a="http://schemas.openxmlformats.org/drawingml/2006/main" xmlns:r="http://schemas.openxmlformats.org/officeDocument/2006/relationships" xmlns:p="http://schemas.openxmlformats.org/presentationml/2006/main">
   <p:cSld>
     <p:bg>
       <p:bgPr>
         <a:solidFill>
           <a:srgbClr val="F2F4F5"/>
         </a:solidFill>
+        <a:effectLst/>
       </p:bgPr>
     </p:bg>
     <p:spTree>
@@ -3863,12 +3777,12 @@
       </p:grpSpPr>
       <p:sp>
         <p:nvSpPr>
-          <p:cNvPr name="Freeform 2" id="2"/>
+          <p:cNvPr id="2" name="Freeform 2"/>
           <p:cNvSpPr/>
           <p:nvPr/>
         </p:nvSpPr>
         <p:spPr>
-          <a:xfrm flipH="false" flipV="false" rot="0">
+          <a:xfrm>
             <a:off x="454706" y="406736"/>
             <a:ext cx="2026768" cy="1243929"/>
           </a:xfrm>
@@ -3877,9 +3791,9 @@
             <a:gdLst/>
             <a:ahLst/>
             <a:cxnLst/>
-            <a:rect r="r" b="b" t="t" l="l"/>
+            <a:rect l="l" t="t" r="r" b="b"/>
             <a:pathLst>
-              <a:path h="1243929" w="2026768">
+              <a:path w="2026768" h="1243929">
                 <a:moveTo>
                   <a:pt x="0" y="0"/>
                 </a:moveTo>
@@ -3908,19 +3822,19 @@
               </a:extLst>
             </a:blip>
             <a:stretch>
-              <a:fillRect l="0" t="0" r="0" b="0"/>
+              <a:fillRect/>
             </a:stretch>
           </a:blipFill>
         </p:spPr>
       </p:sp>
       <p:sp>
         <p:nvSpPr>
-          <p:cNvPr name="Freeform 3" id="3"/>
+          <p:cNvPr id="3" name="Freeform 3"/>
           <p:cNvSpPr/>
           <p:nvPr/>
         </p:nvSpPr>
         <p:spPr>
-          <a:xfrm flipH="false" flipV="false" rot="0">
+          <a:xfrm>
             <a:off x="1028700" y="4163980"/>
             <a:ext cx="15595211" cy="3191671"/>
           </a:xfrm>
@@ -3929,9 +3843,9 @@
             <a:gdLst/>
             <a:ahLst/>
             <a:cxnLst/>
-            <a:rect r="r" b="b" t="t" l="l"/>
+            <a:rect l="l" t="t" r="r" b="b"/>
             <a:pathLst>
-              <a:path h="3191671" w="15595211">
+              <a:path w="15595211" h="3191671">
                 <a:moveTo>
                   <a:pt x="0" y="0"/>
                 </a:moveTo>
@@ -3954,19 +3868,19 @@
           <a:blipFill>
             <a:blip r:embed="rId4"/>
             <a:stretch>
-              <a:fillRect l="0" t="-4332" r="0" b="0"/>
+              <a:fillRect t="-4332"/>
             </a:stretch>
           </a:blipFill>
         </p:spPr>
       </p:sp>
       <p:sp>
         <p:nvSpPr>
-          <p:cNvPr name="TextBox 4" id="4"/>
-          <p:cNvSpPr txBox="true"/>
+          <p:cNvPr id="4" name="TextBox 4"/>
+          <p:cNvSpPr txBox="1"/>
           <p:nvPr/>
         </p:nvSpPr>
         <p:spPr>
-          <a:xfrm rot="0">
+          <a:xfrm>
             <a:off x="3053387" y="235286"/>
             <a:ext cx="12657237" cy="1566544"/>
           </a:xfrm>
@@ -3975,7 +3889,7 @@
           </a:prstGeom>
         </p:spPr>
         <p:txBody>
-          <a:bodyPr anchor="t" rtlCol="false" tIns="0" lIns="0" bIns="0" rIns="0">
+          <a:bodyPr lIns="0" tIns="0" rIns="0" bIns="0" rtlCol="0" anchor="t">
             <a:spAutoFit/>
           </a:bodyPr>
           <a:lstStyle/>
@@ -4006,13 +3920,14 @@
 </file>
 
 <file path=ppt/slides/slide5.xml><?xml version="1.0" encoding="utf-8"?>
-<p:sld xmlns:p="http://schemas.openxmlformats.org/presentationml/2006/main" xmlns:a="http://schemas.openxmlformats.org/drawingml/2006/main">
+<p:sld xmlns:a="http://schemas.openxmlformats.org/drawingml/2006/main" xmlns:r="http://schemas.openxmlformats.org/officeDocument/2006/relationships" xmlns:p="http://schemas.openxmlformats.org/presentationml/2006/main">
   <p:cSld>
     <p:bg>
       <p:bgPr>
         <a:solidFill>
           <a:srgbClr val="F2F4F5"/>
         </a:solidFill>
+        <a:effectLst/>
       </p:bgPr>
     </p:bg>
     <p:spTree>
@@ -4031,12 +3946,12 @@
       </p:grpSpPr>
       <p:sp>
         <p:nvSpPr>
-          <p:cNvPr name="TextBox 2" id="2"/>
-          <p:cNvSpPr txBox="true"/>
+          <p:cNvPr id="2" name="TextBox 2"/>
+          <p:cNvSpPr txBox="1"/>
           <p:nvPr/>
         </p:nvSpPr>
         <p:spPr>
-          <a:xfrm rot="0">
+          <a:xfrm>
             <a:off x="1028700" y="691329"/>
             <a:ext cx="7220545" cy="1566544"/>
           </a:xfrm>
@@ -4045,7 +3960,7 @@
           </a:prstGeom>
         </p:spPr>
         <p:txBody>
-          <a:bodyPr anchor="t" rtlCol="false" tIns="0" lIns="0" bIns="0" rIns="0">
+          <a:bodyPr lIns="0" tIns="0" rIns="0" bIns="0" rtlCol="0" anchor="t">
             <a:spAutoFit/>
           </a:bodyPr>
           <a:lstStyle/>
@@ -4069,12 +3984,12 @@
       </p:sp>
       <p:sp>
         <p:nvSpPr>
-          <p:cNvPr name="TextBox 3" id="3"/>
-          <p:cNvSpPr txBox="true"/>
+          <p:cNvPr id="3" name="TextBox 3"/>
+          <p:cNvSpPr txBox="1"/>
           <p:nvPr/>
         </p:nvSpPr>
         <p:spPr>
-          <a:xfrm rot="0">
+          <a:xfrm>
             <a:off x="0" y="4819967"/>
             <a:ext cx="18288000" cy="3580765"/>
           </a:xfrm>
@@ -4083,12 +3998,12 @@
           </a:prstGeom>
         </p:spPr>
         <p:txBody>
-          <a:bodyPr anchor="t" rtlCol="false" tIns="0" lIns="0" bIns="0" rIns="0">
+          <a:bodyPr lIns="0" tIns="0" rIns="0" bIns="0" rtlCol="0" anchor="t">
             <a:spAutoFit/>
           </a:bodyPr>
           <a:lstStyle/>
           <a:p>
-            <a:pPr marL="734059" indent="-367030" lvl="1">
+            <a:pPr marL="734059" lvl="1" indent="-367030">
               <a:lnSpc>
                 <a:spcPts val="4759"/>
               </a:lnSpc>
@@ -4106,7 +4021,7 @@
             </a:r>
           </a:p>
           <a:p>
-            <a:pPr marL="734059" indent="-367030" lvl="1">
+            <a:pPr marL="734059" lvl="1" indent="-367030">
               <a:lnSpc>
                 <a:spcPts val="4759"/>
               </a:lnSpc>
@@ -4124,7 +4039,7 @@
             </a:r>
           </a:p>
           <a:p>
-            <a:pPr algn="l" marL="734059" indent="-367030" lvl="1">
+            <a:pPr marL="734059" lvl="1" indent="-367030" algn="l">
               <a:lnSpc>
                 <a:spcPts val="4759"/>
               </a:lnSpc>
@@ -4152,13 +4067,14 @@
 </file>
 
 <file path=ppt/slides/slide6.xml><?xml version="1.0" encoding="utf-8"?>
-<p:sld xmlns:p="http://schemas.openxmlformats.org/presentationml/2006/main" xmlns:a="http://schemas.openxmlformats.org/drawingml/2006/main">
+<p:sld xmlns:a="http://schemas.openxmlformats.org/drawingml/2006/main" xmlns:r="http://schemas.openxmlformats.org/officeDocument/2006/relationships" xmlns:p="http://schemas.openxmlformats.org/presentationml/2006/main">
   <p:cSld>
     <p:bg>
       <p:bgPr>
         <a:solidFill>
           <a:srgbClr val="F2F4F5"/>
         </a:solidFill>
+        <a:effectLst/>
       </p:bgPr>
     </p:bg>
     <p:spTree>
@@ -4177,21 +4093,21 @@
       </p:grpSpPr>
       <p:sp>
         <p:nvSpPr>
-          <p:cNvPr name="TextBox 2" id="2"/>
-          <p:cNvSpPr txBox="true"/>
+          <p:cNvPr id="2" name="TextBox 2"/>
+          <p:cNvSpPr txBox="1"/>
           <p:nvPr/>
         </p:nvSpPr>
         <p:spPr>
-          <a:xfrm rot="0">
+          <a:xfrm>
             <a:off x="0" y="-171450"/>
-            <a:ext cx="10155734" cy="1566544"/>
+            <a:ext cx="11353800" cy="1566544"/>
           </a:xfrm>
           <a:prstGeom prst="rect">
             <a:avLst/>
           </a:prstGeom>
         </p:spPr>
         <p:txBody>
-          <a:bodyPr anchor="t" rtlCol="false" tIns="0" lIns="0" bIns="0" rIns="0">
+          <a:bodyPr wrap="square" lIns="0" tIns="0" rIns="0" bIns="0" rtlCol="0" anchor="t">
             <a:spAutoFit/>
           </a:bodyPr>
           <a:lstStyle/>
@@ -4202,7 +4118,7 @@
               </a:lnSpc>
             </a:pPr>
             <a:r>
-              <a:rPr lang="en-US" sz="9200">
+              <a:rPr lang="en-US" sz="9200" dirty="0">
                 <a:solidFill>
                   <a:srgbClr val="000000"/>
                 </a:solidFill>
@@ -4215,12 +4131,12 @@
       </p:sp>
       <p:sp>
         <p:nvSpPr>
-          <p:cNvPr name="TextBox 3" id="3"/>
-          <p:cNvSpPr txBox="true"/>
+          <p:cNvPr id="3" name="TextBox 3"/>
+          <p:cNvSpPr txBox="1"/>
           <p:nvPr/>
         </p:nvSpPr>
         <p:spPr>
-          <a:xfrm rot="0">
+          <a:xfrm>
             <a:off x="0" y="1318894"/>
             <a:ext cx="14293333" cy="2061485"/>
           </a:xfrm>
@@ -4229,7 +4145,7 @@
           </a:prstGeom>
         </p:spPr>
         <p:txBody>
-          <a:bodyPr anchor="t" rtlCol="false" tIns="0" lIns="0" bIns="0" rIns="0">
+          <a:bodyPr lIns="0" tIns="0" rIns="0" bIns="0" rtlCol="0" anchor="t">
             <a:spAutoFit/>
           </a:bodyPr>
           <a:lstStyle/>
@@ -4240,34 +4156,43 @@
               </a:lnSpc>
             </a:pPr>
             <a:r>
-              <a:rPr lang="en-US" sz="3964">
+              <a:rPr lang="en-US" sz="3964" dirty="0">
                 <a:solidFill>
                   <a:srgbClr val="000000"/>
                 </a:solidFill>
                 <a:latin typeface="Canva Sans"/>
               </a:rPr>
-              <a:t>We don’t have sufficient data ,so i can’t conclude this accurately.</a:t>
-            </a:r>
-            <a:r>
-              <a:rPr lang="en-US" sz="3964">
+              <a:t>We don’t have sufficient data ,so </a:t>
+            </a:r>
+            <a:r>
+              <a:rPr lang="en-US" sz="3964" dirty="0" err="1">
                 <a:solidFill>
                   <a:srgbClr val="000000"/>
                 </a:solidFill>
                 <a:latin typeface="Canva Sans"/>
               </a:rPr>
-              <a:t> I’ve made an assumption based on the given data.</a:t>
-            </a:r>
-          </a:p>
-        </p:txBody>
-      </p:sp>
-      <p:sp>
-        <p:nvSpPr>
-          <p:cNvPr name="TextBox 4" id="4"/>
-          <p:cNvSpPr txBox="true"/>
+              <a:t>i</a:t>
+            </a:r>
+            <a:r>
+              <a:rPr lang="en-US" sz="3964" dirty="0">
+                <a:solidFill>
+                  <a:srgbClr val="000000"/>
+                </a:solidFill>
+                <a:latin typeface="Canva Sans"/>
+              </a:rPr>
+              <a:t> can’t conclude this accurately. I’ve made an assumption based on the given data.</a:t>
+            </a:r>
+          </a:p>
+        </p:txBody>
+      </p:sp>
+      <p:sp>
+        <p:nvSpPr>
+          <p:cNvPr id="4" name="TextBox 4"/>
+          <p:cNvSpPr txBox="1"/>
           <p:nvPr/>
         </p:nvSpPr>
         <p:spPr>
-          <a:xfrm rot="0">
+          <a:xfrm>
             <a:off x="0" y="4129875"/>
             <a:ext cx="18288000" cy="5128425"/>
           </a:xfrm>
@@ -4276,12 +4201,12 @@
           </a:prstGeom>
         </p:spPr>
         <p:txBody>
-          <a:bodyPr anchor="t" rtlCol="false" tIns="0" lIns="0" bIns="0" rIns="0">
+          <a:bodyPr lIns="0" tIns="0" rIns="0" bIns="0" rtlCol="0" anchor="t">
             <a:spAutoFit/>
           </a:bodyPr>
           <a:lstStyle/>
           <a:p>
-            <a:pPr marL="694878" indent="-347439" lvl="1">
+            <a:pPr marL="694878" lvl="1" indent="-347439">
               <a:lnSpc>
                 <a:spcPts val="4505"/>
               </a:lnSpc>
@@ -4299,7 +4224,7 @@
             </a:r>
           </a:p>
           <a:p>
-            <a:pPr marL="694878" indent="-347439" lvl="1">
+            <a:pPr marL="694878" lvl="1" indent="-347439">
               <a:lnSpc>
                 <a:spcPts val="4505"/>
               </a:lnSpc>
@@ -4317,7 +4242,7 @@
             </a:r>
           </a:p>
           <a:p>
-            <a:pPr algn="l" marL="694878" indent="-347439" lvl="1">
+            <a:pPr marL="694878" lvl="1" indent="-347439" algn="l">
               <a:lnSpc>
                 <a:spcPts val="4505"/>
               </a:lnSpc>
